--- a/IntuitCodathon.pptx
+++ b/IntuitCodathon.pptx
@@ -9,7 +9,9 @@
     <p:sldId id="257" r:id="rId3"/>
     <p:sldId id="258" r:id="rId4"/>
     <p:sldId id="259" r:id="rId5"/>
-    <p:sldId id="260" r:id="rId6"/>
+    <p:sldId id="261" r:id="rId6"/>
+    <p:sldId id="262" r:id="rId7"/>
+    <p:sldId id="260" r:id="rId8"/>
   </p:sldIdLst>
   <p:sldSz cx="12192000" cy="6858000"/>
   <p:notesSz cx="6858000" cy="9144000"/>
@@ -108,6 +110,11 @@
       </a:defRPr>
     </a:lvl9pPr>
   </p:defaultTextStyle>
+  <p:extLst>
+    <p:ext uri="{EFAFB233-063F-42B5-8137-9DF3F51BA10A}">
+      <p15:sldGuideLst xmlns:p15="http://schemas.microsoft.com/office/powerpoint/2012/main"/>
+    </p:ext>
+  </p:extLst>
 </p:presentation>
 </file>
 
@@ -260,7 +267,7 @@
           <a:p>
             <a:fld id="{982A2D27-E21A-440C-9D34-166D10CFE8B9}" type="datetimeFigureOut">
               <a:rPr lang="en-IN" smtClean="0"/>
-              <a:t>25-11-2020</a:t>
+              <a:t>01-12-2020</a:t>
             </a:fld>
             <a:endParaRPr lang="en-IN"/>
           </a:p>
@@ -460,7 +467,7 @@
           <a:p>
             <a:fld id="{982A2D27-E21A-440C-9D34-166D10CFE8B9}" type="datetimeFigureOut">
               <a:rPr lang="en-IN" smtClean="0"/>
-              <a:t>25-11-2020</a:t>
+              <a:t>01-12-2020</a:t>
             </a:fld>
             <a:endParaRPr lang="en-IN"/>
           </a:p>
@@ -670,7 +677,7 @@
           <a:p>
             <a:fld id="{982A2D27-E21A-440C-9D34-166D10CFE8B9}" type="datetimeFigureOut">
               <a:rPr lang="en-IN" smtClean="0"/>
-              <a:t>25-11-2020</a:t>
+              <a:t>01-12-2020</a:t>
             </a:fld>
             <a:endParaRPr lang="en-IN"/>
           </a:p>
@@ -870,7 +877,7 @@
           <a:p>
             <a:fld id="{982A2D27-E21A-440C-9D34-166D10CFE8B9}" type="datetimeFigureOut">
               <a:rPr lang="en-IN" smtClean="0"/>
-              <a:t>25-11-2020</a:t>
+              <a:t>01-12-2020</a:t>
             </a:fld>
             <a:endParaRPr lang="en-IN"/>
           </a:p>
@@ -1146,7 +1153,7 @@
           <a:p>
             <a:fld id="{982A2D27-E21A-440C-9D34-166D10CFE8B9}" type="datetimeFigureOut">
               <a:rPr lang="en-IN" smtClean="0"/>
-              <a:t>25-11-2020</a:t>
+              <a:t>01-12-2020</a:t>
             </a:fld>
             <a:endParaRPr lang="en-IN"/>
           </a:p>
@@ -1414,7 +1421,7 @@
           <a:p>
             <a:fld id="{982A2D27-E21A-440C-9D34-166D10CFE8B9}" type="datetimeFigureOut">
               <a:rPr lang="en-IN" smtClean="0"/>
-              <a:t>25-11-2020</a:t>
+              <a:t>01-12-2020</a:t>
             </a:fld>
             <a:endParaRPr lang="en-IN"/>
           </a:p>
@@ -1829,7 +1836,7 @@
           <a:p>
             <a:fld id="{982A2D27-E21A-440C-9D34-166D10CFE8B9}" type="datetimeFigureOut">
               <a:rPr lang="en-IN" smtClean="0"/>
-              <a:t>25-11-2020</a:t>
+              <a:t>01-12-2020</a:t>
             </a:fld>
             <a:endParaRPr lang="en-IN"/>
           </a:p>
@@ -1971,7 +1978,7 @@
           <a:p>
             <a:fld id="{982A2D27-E21A-440C-9D34-166D10CFE8B9}" type="datetimeFigureOut">
               <a:rPr lang="en-IN" smtClean="0"/>
-              <a:t>25-11-2020</a:t>
+              <a:t>01-12-2020</a:t>
             </a:fld>
             <a:endParaRPr lang="en-IN"/>
           </a:p>
@@ -2084,7 +2091,7 @@
           <a:p>
             <a:fld id="{982A2D27-E21A-440C-9D34-166D10CFE8B9}" type="datetimeFigureOut">
               <a:rPr lang="en-IN" smtClean="0"/>
-              <a:t>25-11-2020</a:t>
+              <a:t>01-12-2020</a:t>
             </a:fld>
             <a:endParaRPr lang="en-IN"/>
           </a:p>
@@ -2397,7 +2404,7 @@
           <a:p>
             <a:fld id="{982A2D27-E21A-440C-9D34-166D10CFE8B9}" type="datetimeFigureOut">
               <a:rPr lang="en-IN" smtClean="0"/>
-              <a:t>25-11-2020</a:t>
+              <a:t>01-12-2020</a:t>
             </a:fld>
             <a:endParaRPr lang="en-IN"/>
           </a:p>
@@ -2686,7 +2693,7 @@
           <a:p>
             <a:fld id="{982A2D27-E21A-440C-9D34-166D10CFE8B9}" type="datetimeFigureOut">
               <a:rPr lang="en-IN" smtClean="0"/>
-              <a:t>25-11-2020</a:t>
+              <a:t>01-12-2020</a:t>
             </a:fld>
             <a:endParaRPr lang="en-IN"/>
           </a:p>
@@ -2929,7 +2936,7 @@
           <a:p>
             <a:fld id="{982A2D27-E21A-440C-9D34-166D10CFE8B9}" type="datetimeFigureOut">
               <a:rPr lang="en-IN" smtClean="0"/>
-              <a:t>25-11-2020</a:t>
+              <a:t>01-12-2020</a:t>
             </a:fld>
             <a:endParaRPr lang="en-IN"/>
           </a:p>
@@ -3865,6 +3872,192 @@
           <a:p>
             <a:r>
               <a:rPr lang="en-IN" dirty="0"/>
+              <a:t>Cashflow Alert – Landing Page</a:t>
+            </a:r>
+          </a:p>
+        </p:txBody>
+      </p:sp>
+      <p:pic>
+        <p:nvPicPr>
+          <p:cNvPr id="5" name="Content Placeholder 4">
+            <a:extLst>
+              <a:ext uri="{FF2B5EF4-FFF2-40B4-BE49-F238E27FC236}">
+                <a16:creationId xmlns:a16="http://schemas.microsoft.com/office/drawing/2014/main" id="{F9AC12EE-1011-433A-8074-F227D1212DEE}"/>
+              </a:ext>
+            </a:extLst>
+          </p:cNvPr>
+          <p:cNvPicPr>
+            <a:picLocks noGrp="1" noChangeAspect="1"/>
+          </p:cNvPicPr>
+          <p:nvPr>
+            <p:ph idx="1"/>
+          </p:nvPr>
+        </p:nvPicPr>
+        <p:blipFill>
+          <a:blip r:embed="rId2">
+            <a:extLst>
+              <a:ext uri="{28A0092B-C50C-407E-A947-70E740481C1C}">
+                <a14:useLocalDpi xmlns:a14="http://schemas.microsoft.com/office/drawing/2010/main" val="0"/>
+              </a:ext>
+            </a:extLst>
+          </a:blip>
+          <a:stretch>
+            <a:fillRect/>
+          </a:stretch>
+        </p:blipFill>
+        <p:spPr>
+          <a:xfrm>
+            <a:off x="1469993" y="1825625"/>
+            <a:ext cx="9252014" cy="4351338"/>
+          </a:xfrm>
+        </p:spPr>
+      </p:pic>
+    </p:spTree>
+    <p:extLst>
+      <p:ext uri="{BB962C8B-B14F-4D97-AF65-F5344CB8AC3E}">
+        <p14:creationId xmlns:p14="http://schemas.microsoft.com/office/powerpoint/2010/main" val="1076438711"/>
+      </p:ext>
+    </p:extLst>
+  </p:cSld>
+  <p:clrMapOvr>
+    <a:masterClrMapping/>
+  </p:clrMapOvr>
+</p:sld>
+</file>
+
+<file path=ppt/slides/slide6.xml><?xml version="1.0" encoding="utf-8"?>
+<p:sld xmlns:a="http://schemas.openxmlformats.org/drawingml/2006/main" xmlns:r="http://schemas.openxmlformats.org/officeDocument/2006/relationships" xmlns:p="http://schemas.openxmlformats.org/presentationml/2006/main">
+  <p:cSld>
+    <p:spTree>
+      <p:nvGrpSpPr>
+        <p:cNvPr id="1" name=""/>
+        <p:cNvGrpSpPr/>
+        <p:nvPr/>
+      </p:nvGrpSpPr>
+      <p:grpSpPr>
+        <a:xfrm>
+          <a:off x="0" y="0"/>
+          <a:ext cx="0" cy="0"/>
+          <a:chOff x="0" y="0"/>
+          <a:chExt cx="0" cy="0"/>
+        </a:xfrm>
+      </p:grpSpPr>
+      <p:sp>
+        <p:nvSpPr>
+          <p:cNvPr id="2" name="Title 1">
+            <a:extLst>
+              <a:ext uri="{FF2B5EF4-FFF2-40B4-BE49-F238E27FC236}">
+                <a16:creationId xmlns:a16="http://schemas.microsoft.com/office/drawing/2014/main" id="{2974B24D-C66F-413B-A7CB-9CBE45857BE7}"/>
+              </a:ext>
+            </a:extLst>
+          </p:cNvPr>
+          <p:cNvSpPr>
+            <a:spLocks noGrp="1"/>
+          </p:cNvSpPr>
+          <p:nvPr>
+            <p:ph type="title"/>
+          </p:nvPr>
+        </p:nvSpPr>
+        <p:spPr/>
+        <p:txBody>
+          <a:bodyPr/>
+          <a:lstStyle/>
+          <a:p>
+            <a:r>
+              <a:rPr lang="en-IN" dirty="0"/>
+              <a:t>Cashflow Alert – Report</a:t>
+            </a:r>
+          </a:p>
+        </p:txBody>
+      </p:sp>
+      <p:pic>
+        <p:nvPicPr>
+          <p:cNvPr id="7" name="Content Placeholder 6">
+            <a:extLst>
+              <a:ext uri="{FF2B5EF4-FFF2-40B4-BE49-F238E27FC236}">
+                <a16:creationId xmlns:a16="http://schemas.microsoft.com/office/drawing/2014/main" id="{B3A87430-887F-4643-8135-E5721E1DB81D}"/>
+              </a:ext>
+            </a:extLst>
+          </p:cNvPr>
+          <p:cNvPicPr>
+            <a:picLocks noGrp="1" noChangeAspect="1"/>
+          </p:cNvPicPr>
+          <p:nvPr>
+            <p:ph idx="1"/>
+          </p:nvPr>
+        </p:nvPicPr>
+        <p:blipFill>
+          <a:blip r:embed="rId2">
+            <a:extLst>
+              <a:ext uri="{28A0092B-C50C-407E-A947-70E740481C1C}">
+                <a14:useLocalDpi xmlns:a14="http://schemas.microsoft.com/office/drawing/2010/main" val="0"/>
+              </a:ext>
+            </a:extLst>
+          </a:blip>
+          <a:stretch>
+            <a:fillRect/>
+          </a:stretch>
+        </p:blipFill>
+        <p:spPr>
+          <a:xfrm>
+            <a:off x="1469993" y="1825625"/>
+            <a:ext cx="9252014" cy="4351338"/>
+          </a:xfrm>
+        </p:spPr>
+      </p:pic>
+    </p:spTree>
+    <p:extLst>
+      <p:ext uri="{BB962C8B-B14F-4D97-AF65-F5344CB8AC3E}">
+        <p14:creationId xmlns:p14="http://schemas.microsoft.com/office/powerpoint/2010/main" val="655704742"/>
+      </p:ext>
+    </p:extLst>
+  </p:cSld>
+  <p:clrMapOvr>
+    <a:masterClrMapping/>
+  </p:clrMapOvr>
+</p:sld>
+</file>
+
+<file path=ppt/slides/slide7.xml><?xml version="1.0" encoding="utf-8"?>
+<p:sld xmlns:a="http://schemas.openxmlformats.org/drawingml/2006/main" xmlns:r="http://schemas.openxmlformats.org/officeDocument/2006/relationships" xmlns:p="http://schemas.openxmlformats.org/presentationml/2006/main">
+  <p:cSld>
+    <p:spTree>
+      <p:nvGrpSpPr>
+        <p:cNvPr id="1" name=""/>
+        <p:cNvGrpSpPr/>
+        <p:nvPr/>
+      </p:nvGrpSpPr>
+      <p:grpSpPr>
+        <a:xfrm>
+          <a:off x="0" y="0"/>
+          <a:ext cx="0" cy="0"/>
+          <a:chOff x="0" y="0"/>
+          <a:chExt cx="0" cy="0"/>
+        </a:xfrm>
+      </p:grpSpPr>
+      <p:sp>
+        <p:nvSpPr>
+          <p:cNvPr id="2" name="Title 1">
+            <a:extLst>
+              <a:ext uri="{FF2B5EF4-FFF2-40B4-BE49-F238E27FC236}">
+                <a16:creationId xmlns:a16="http://schemas.microsoft.com/office/drawing/2014/main" id="{2974B24D-C66F-413B-A7CB-9CBE45857BE7}"/>
+              </a:ext>
+            </a:extLst>
+          </p:cNvPr>
+          <p:cNvSpPr>
+            <a:spLocks noGrp="1"/>
+          </p:cNvSpPr>
+          <p:nvPr>
+            <p:ph type="title"/>
+          </p:nvPr>
+        </p:nvSpPr>
+        <p:spPr/>
+        <p:txBody>
+          <a:bodyPr/>
+          <a:lstStyle/>
+          <a:p>
+            <a:r>
+              <a:rPr lang="en-IN" dirty="0"/>
               <a:t>Cashflow Alert</a:t>
             </a:r>
           </a:p>

--- a/IntuitCodathon.pptx
+++ b/IntuitCodathon.pptx
@@ -10,8 +10,10 @@
     <p:sldId id="258" r:id="rId4"/>
     <p:sldId id="259" r:id="rId5"/>
     <p:sldId id="261" r:id="rId6"/>
-    <p:sldId id="262" r:id="rId7"/>
-    <p:sldId id="260" r:id="rId8"/>
+    <p:sldId id="263" r:id="rId7"/>
+    <p:sldId id="262" r:id="rId8"/>
+    <p:sldId id="264" r:id="rId9"/>
+    <p:sldId id="260" r:id="rId10"/>
   </p:sldIdLst>
   <p:sldSz cx="12192000" cy="6858000"/>
   <p:notesSz cx="6858000" cy="9144000"/>
@@ -3872,17 +3874,17 @@
           <a:p>
             <a:r>
               <a:rPr lang="en-IN" dirty="0"/>
-              <a:t>Cashflow Alert – Landing Page</a:t>
+              <a:t>Cashflow Alert – Home Page</a:t>
             </a:r>
           </a:p>
         </p:txBody>
       </p:sp>
       <p:pic>
         <p:nvPicPr>
-          <p:cNvPr id="5" name="Content Placeholder 4">
-            <a:extLst>
-              <a:ext uri="{FF2B5EF4-FFF2-40B4-BE49-F238E27FC236}">
-                <a16:creationId xmlns:a16="http://schemas.microsoft.com/office/drawing/2014/main" id="{F9AC12EE-1011-433A-8074-F227D1212DEE}"/>
+          <p:cNvPr id="9" name="Content Placeholder 8">
+            <a:extLst>
+              <a:ext uri="{FF2B5EF4-FFF2-40B4-BE49-F238E27FC236}">
+                <a16:creationId xmlns:a16="http://schemas.microsoft.com/office/drawing/2014/main" id="{1D4FB13D-DFC7-4052-965E-FE74A50B871B}"/>
               </a:ext>
             </a:extLst>
           </p:cNvPr>
@@ -3965,6 +3967,107 @@
           <a:p>
             <a:r>
               <a:rPr lang="en-IN" dirty="0"/>
+              <a:t>Cashflow Alert – </a:t>
+            </a:r>
+            <a:r>
+              <a:rPr lang="en-IN" dirty="0" err="1"/>
+              <a:t>Quickbook</a:t>
+            </a:r>
+            <a:r>
+              <a:rPr lang="en-IN" dirty="0"/>
+              <a:t> Connect</a:t>
+            </a:r>
+          </a:p>
+        </p:txBody>
+      </p:sp>
+      <p:pic>
+        <p:nvPicPr>
+          <p:cNvPr id="5" name="Content Placeholder 4">
+            <a:extLst>
+              <a:ext uri="{FF2B5EF4-FFF2-40B4-BE49-F238E27FC236}">
+                <a16:creationId xmlns:a16="http://schemas.microsoft.com/office/drawing/2014/main" id="{F9AC12EE-1011-433A-8074-F227D1212DEE}"/>
+              </a:ext>
+            </a:extLst>
+          </p:cNvPr>
+          <p:cNvPicPr>
+            <a:picLocks noGrp="1" noChangeAspect="1"/>
+          </p:cNvPicPr>
+          <p:nvPr>
+            <p:ph idx="1"/>
+          </p:nvPr>
+        </p:nvPicPr>
+        <p:blipFill>
+          <a:blip r:embed="rId2">
+            <a:extLst>
+              <a:ext uri="{28A0092B-C50C-407E-A947-70E740481C1C}">
+                <a14:useLocalDpi xmlns:a14="http://schemas.microsoft.com/office/drawing/2010/main" val="0"/>
+              </a:ext>
+            </a:extLst>
+          </a:blip>
+          <a:stretch>
+            <a:fillRect/>
+          </a:stretch>
+        </p:blipFill>
+        <p:spPr>
+          <a:xfrm>
+            <a:off x="1469993" y="1825625"/>
+            <a:ext cx="9252014" cy="4351338"/>
+          </a:xfrm>
+        </p:spPr>
+      </p:pic>
+    </p:spTree>
+    <p:extLst>
+      <p:ext uri="{BB962C8B-B14F-4D97-AF65-F5344CB8AC3E}">
+        <p14:creationId xmlns:p14="http://schemas.microsoft.com/office/powerpoint/2010/main" val="318871957"/>
+      </p:ext>
+    </p:extLst>
+  </p:cSld>
+  <p:clrMapOvr>
+    <a:masterClrMapping/>
+  </p:clrMapOvr>
+</p:sld>
+</file>
+
+<file path=ppt/slides/slide7.xml><?xml version="1.0" encoding="utf-8"?>
+<p:sld xmlns:a="http://schemas.openxmlformats.org/drawingml/2006/main" xmlns:r="http://schemas.openxmlformats.org/officeDocument/2006/relationships" xmlns:p="http://schemas.openxmlformats.org/presentationml/2006/main">
+  <p:cSld>
+    <p:spTree>
+      <p:nvGrpSpPr>
+        <p:cNvPr id="1" name=""/>
+        <p:cNvGrpSpPr/>
+        <p:nvPr/>
+      </p:nvGrpSpPr>
+      <p:grpSpPr>
+        <a:xfrm>
+          <a:off x="0" y="0"/>
+          <a:ext cx="0" cy="0"/>
+          <a:chOff x="0" y="0"/>
+          <a:chExt cx="0" cy="0"/>
+        </a:xfrm>
+      </p:grpSpPr>
+      <p:sp>
+        <p:nvSpPr>
+          <p:cNvPr id="2" name="Title 1">
+            <a:extLst>
+              <a:ext uri="{FF2B5EF4-FFF2-40B4-BE49-F238E27FC236}">
+                <a16:creationId xmlns:a16="http://schemas.microsoft.com/office/drawing/2014/main" id="{2974B24D-C66F-413B-A7CB-9CBE45857BE7}"/>
+              </a:ext>
+            </a:extLst>
+          </p:cNvPr>
+          <p:cNvSpPr>
+            <a:spLocks noGrp="1"/>
+          </p:cNvSpPr>
+          <p:nvPr>
+            <p:ph type="title"/>
+          </p:nvPr>
+        </p:nvSpPr>
+        <p:spPr/>
+        <p:txBody>
+          <a:bodyPr/>
+          <a:lstStyle/>
+          <a:p>
+            <a:r>
+              <a:rPr lang="en-IN" dirty="0"/>
               <a:t>Cashflow Alert – Report</a:t>
             </a:r>
           </a:p>
@@ -4018,7 +4121,144 @@
 </p:sld>
 </file>
 
-<file path=ppt/slides/slide7.xml><?xml version="1.0" encoding="utf-8"?>
+<file path=ppt/slides/slide8.xml><?xml version="1.0" encoding="utf-8"?>
+<p:sld xmlns:a="http://schemas.openxmlformats.org/drawingml/2006/main" xmlns:r="http://schemas.openxmlformats.org/officeDocument/2006/relationships" xmlns:p="http://schemas.openxmlformats.org/presentationml/2006/main">
+  <p:cSld>
+    <p:spTree>
+      <p:nvGrpSpPr>
+        <p:cNvPr id="1" name=""/>
+        <p:cNvGrpSpPr/>
+        <p:nvPr/>
+      </p:nvGrpSpPr>
+      <p:grpSpPr>
+        <a:xfrm>
+          <a:off x="0" y="0"/>
+          <a:ext cx="0" cy="0"/>
+          <a:chOff x="0" y="0"/>
+          <a:chExt cx="0" cy="0"/>
+        </a:xfrm>
+      </p:grpSpPr>
+      <p:sp>
+        <p:nvSpPr>
+          <p:cNvPr id="2" name="Title 1">
+            <a:extLst>
+              <a:ext uri="{FF2B5EF4-FFF2-40B4-BE49-F238E27FC236}">
+                <a16:creationId xmlns:a16="http://schemas.microsoft.com/office/drawing/2014/main" id="{2974B24D-C66F-413B-A7CB-9CBE45857BE7}"/>
+              </a:ext>
+            </a:extLst>
+          </p:cNvPr>
+          <p:cNvSpPr>
+            <a:spLocks noGrp="1"/>
+          </p:cNvSpPr>
+          <p:nvPr>
+            <p:ph type="title"/>
+          </p:nvPr>
+        </p:nvSpPr>
+        <p:spPr/>
+        <p:txBody>
+          <a:bodyPr/>
+          <a:lstStyle/>
+          <a:p>
+            <a:r>
+              <a:rPr lang="en-IN"/>
+              <a:t>Cashflow Alert – Demo Video</a:t>
+            </a:r>
+            <a:endParaRPr lang="en-IN" dirty="0"/>
+          </a:p>
+        </p:txBody>
+      </p:sp>
+      <p:sp>
+        <p:nvSpPr>
+          <p:cNvPr id="4" name="Content Placeholder 3">
+            <a:extLst>
+              <a:ext uri="{FF2B5EF4-FFF2-40B4-BE49-F238E27FC236}">
+                <a16:creationId xmlns:a16="http://schemas.microsoft.com/office/drawing/2014/main" id="{D6521D10-D154-4237-91F4-86542EB26D85}"/>
+              </a:ext>
+            </a:extLst>
+          </p:cNvPr>
+          <p:cNvSpPr>
+            <a:spLocks noGrp="1"/>
+          </p:cNvSpPr>
+          <p:nvPr>
+            <p:ph idx="1"/>
+          </p:nvPr>
+        </p:nvSpPr>
+        <p:spPr/>
+        <p:txBody>
+          <a:bodyPr/>
+          <a:lstStyle/>
+          <a:p>
+            <a:pPr marL="0" indent="0">
+              <a:buNone/>
+            </a:pPr>
+            <a:r>
+              <a:rPr lang="en-IN" b="1" i="1" dirty="0"/>
+              <a:t>Demo Link:</a:t>
+            </a:r>
+          </a:p>
+          <a:p>
+            <a:pPr marL="0" indent="0">
+              <a:buNone/>
+            </a:pPr>
+            <a:endParaRPr lang="en-IN" dirty="0">
+              <a:solidFill>
+                <a:srgbClr val="0563C1"/>
+              </a:solidFill>
+              <a:hlinkClick r:id="rId2">
+                <a:extLst>
+                  <a:ext uri="{A12FA001-AC4F-418D-AE19-62706E023703}">
+                    <ahyp:hlinkClr xmlns:ahyp="http://schemas.microsoft.com/office/drawing/2018/hyperlinkcolor" val="tx"/>
+                  </a:ext>
+                </a:extLst>
+              </a:hlinkClick>
+            </a:endParaRPr>
+          </a:p>
+          <a:p>
+            <a:pPr marL="0" indent="0" algn="ctr">
+              <a:buNone/>
+            </a:pPr>
+            <a:r>
+              <a:rPr lang="en-IN" dirty="0">
+                <a:solidFill>
+                  <a:srgbClr val="0563C1"/>
+                </a:solidFill>
+                <a:hlinkClick r:id="rId2">
+                  <a:extLst>
+                    <a:ext uri="{A12FA001-AC4F-418D-AE19-62706E023703}">
+                      <ahyp:hlinkClr xmlns:ahyp="http://schemas.microsoft.com/office/drawing/2018/hyperlinkcolor" val="tx"/>
+                    </a:ext>
+                  </a:extLst>
+                </a:hlinkClick>
+              </a:rPr>
+              <a:t>https://youtu.be/v4hOgDaHD1Y</a:t>
+            </a:r>
+            <a:r>
+              <a:rPr lang="en-IN" dirty="0"/>
+              <a:t> </a:t>
+            </a:r>
+          </a:p>
+          <a:p>
+            <a:pPr marL="0" indent="0">
+              <a:buNone/>
+            </a:pPr>
+            <a:endParaRPr lang="en-IN" dirty="0"/>
+          </a:p>
+        </p:txBody>
+      </p:sp>
+    </p:spTree>
+    <p:extLst>
+      <p:ext uri="{BB962C8B-B14F-4D97-AF65-F5344CB8AC3E}">
+        <p14:creationId xmlns:p14="http://schemas.microsoft.com/office/powerpoint/2010/main" val="227029533"/>
+      </p:ext>
+    </p:extLst>
+  </p:cSld>
+  <p:clrMapOvr>
+    <a:masterClrMapping/>
+  </p:clrMapOvr>
+</p:sld>
+</file>
+
+<file path=ppt/slides/slide9.xml><?xml version="1.0" encoding="utf-8"?>
 <p:sld xmlns:a="http://schemas.openxmlformats.org/drawingml/2006/main" xmlns:r="http://schemas.openxmlformats.org/officeDocument/2006/relationships" xmlns:p="http://schemas.openxmlformats.org/presentationml/2006/main">
   <p:cSld>
     <p:spTree>
